--- a/Constante de Feigenbaum.pptx
+++ b/Constante de Feigenbaum.pptx
@@ -13,6 +13,8 @@
     <p:sldId id="261" r:id="rId8"/>
     <p:sldId id="263" r:id="rId9"/>
     <p:sldId id="262" r:id="rId10"/>
+    <p:sldId id="272" r:id="rId11"/>
+    <p:sldId id="273" r:id="rId12"/>
   </p:sldIdLst>
   <p:sldSz cx="12192000" cy="6858000"/>
   <p:notesSz cx="7103745" cy="10234295"/>
@@ -2712,6 +2714,79 @@
 </p:sld>
 </file>
 
+<file path=ppt/slides/slide10.xml><?xml version="1.0" encoding="utf-8"?>
+<p:sld xmlns:a="http://schemas.openxmlformats.org/drawingml/2006/main" xmlns:r="http://schemas.openxmlformats.org/officeDocument/2006/relationships" xmlns:p="http://schemas.openxmlformats.org/presentationml/2006/main">
+  <p:cSld>
+    <p:spTree>
+      <p:nvGrpSpPr>
+        <p:cNvPr id="1" name=""/>
+        <p:cNvGrpSpPr/>
+        <p:nvPr/>
+      </p:nvGrpSpPr>
+      <p:grpSpPr/>
+      <p:sp>
+        <p:nvSpPr>
+          <p:cNvPr id="2" name="Title 1"/>
+          <p:cNvSpPr>
+            <a:spLocks noGrp="1"/>
+          </p:cNvSpPr>
+          <p:nvPr>
+            <p:ph type="title"/>
+          </p:nvPr>
+        </p:nvSpPr>
+        <p:spPr/>
+        <p:txBody>
+          <a:bodyPr/>
+          <a:p>
+            <a:r>
+              <a:rPr lang="" altLang="en-US" sz="3200"/>
+              <a:t>B</a:t>
+            </a:r>
+            <a:r>
+              <a:rPr lang="en-US" sz="3200"/>
+              <a:t>ibliographie</a:t>
+            </a:r>
+            <a:endParaRPr lang="en-US" sz="3200"/>
+          </a:p>
+        </p:txBody>
+      </p:sp>
+      <p:sp>
+        <p:nvSpPr>
+          <p:cNvPr id="3" name="Content Placeholder 2"/>
+          <p:cNvSpPr>
+            <a:spLocks noGrp="1"/>
+          </p:cNvSpPr>
+          <p:nvPr>
+            <p:ph idx="1"/>
+          </p:nvPr>
+        </p:nvSpPr>
+        <p:spPr/>
+        <p:txBody>
+          <a:bodyPr/>
+          <a:p>
+            <a:r>
+              <a:rPr lang="en-US" sz="1800"/>
+              <a:t>Non-Linear Ordinary Differential Equations: Introduction for Scientists and Engineers (4th Edition), D. W. Jordan, P. Smith, Oxford University Press, 2007, ISBN 978-0-19-920825-8.</a:t>
+            </a:r>
+            <a:endParaRPr lang="en-US" sz="1800"/>
+          </a:p>
+          <a:p>
+            <a:r>
+              <a:rPr lang="en-US" sz="1800"/>
+              <a:t>Deep Simplicity Bringing Order to Chaos and Complexity by John Gribbin</a:t>
+            </a:r>
+            <a:endParaRPr lang="en-US" sz="1800"/>
+          </a:p>
+        </p:txBody>
+      </p:sp>
+    </p:spTree>
+  </p:cSld>
+  <p:clrMapOvr>
+    <a:masterClrMapping/>
+  </p:clrMapOvr>
+</p:sld>
+</file>
+
 <file path=ppt/slides/slide2.xml><?xml version="1.0" encoding="utf-8"?>
 <p:sld xmlns:a="http://schemas.openxmlformats.org/drawingml/2006/main" xmlns:r="http://schemas.openxmlformats.org/officeDocument/2006/relationships" xmlns:p="http://schemas.openxmlformats.org/presentationml/2006/main">
   <p:cSld>
@@ -2737,13 +2812,13 @@
           <a:bodyPr/>
           <a:p>
             <a:r>
-              <a:rPr lang="" altLang="en-US">
+              <a:rPr lang="en-US" altLang="en-US">
                 <a:latin typeface="Abyssinica SIL" panose="02000000000000000000" charset="0"/>
                 <a:cs typeface="Abyssinica SIL" panose="02000000000000000000" charset="0"/>
               </a:rPr>
               <a:t>Le problème</a:t>
             </a:r>
-            <a:endParaRPr lang="" altLang="en-US">
+            <a:endParaRPr lang="en-US" altLang="en-US">
               <a:latin typeface="Abyssinica SIL" panose="02000000000000000000" charset="0"/>
               <a:cs typeface="Abyssinica SIL" panose="02000000000000000000" charset="0"/>
             </a:endParaRPr>
@@ -2768,13 +2843,13 @@
               <a:buNone/>
             </a:pPr>
             <a:r>
-              <a:rPr sz="2400">
+              <a:rPr sz="2000">
                 <a:latin typeface="Abyssinica SIL" panose="02000000000000000000" charset="0"/>
                 <a:cs typeface="Abyssinica SIL" panose="02000000000000000000" charset="0"/>
               </a:rPr>
               <a:t>La question qui met en marche notre recherche est la suivante: </a:t>
             </a:r>
-            <a:endParaRPr sz="2400">
+            <a:endParaRPr sz="2000">
               <a:latin typeface="Abyssinica SIL" panose="02000000000000000000" charset="0"/>
               <a:cs typeface="Abyssinica SIL" panose="02000000000000000000" charset="0"/>
             </a:endParaRPr>
@@ -2784,13 +2859,13 @@
               <a:buNone/>
             </a:pPr>
             <a:r>
-              <a:rPr sz="2400" i="1">
+              <a:rPr sz="2000" i="1">
                 <a:latin typeface="Abyssinica SIL" panose="02000000000000000000" charset="0"/>
                 <a:cs typeface="Abyssinica SIL" panose="02000000000000000000" charset="0"/>
               </a:rPr>
               <a:t>Comment pouvons-nous trouver le nombre de lapins que nous aurons l'année prochaine? Allons plus loin: le nombre de lapins que nous aurons dans n ans. </a:t>
             </a:r>
-            <a:endParaRPr sz="2400">
+            <a:endParaRPr sz="2000">
               <a:latin typeface="Abyssinica SIL" panose="02000000000000000000" charset="0"/>
               <a:cs typeface="Abyssinica SIL" panose="02000000000000000000" charset="0"/>
             </a:endParaRPr>
@@ -2800,13 +2875,20 @@
               <a:buNone/>
             </a:pPr>
             <a:r>
-              <a:rPr sz="2400">
+              <a:rPr lang="en-US" sz="2000">
                 <a:latin typeface="Abyssinica SIL" panose="02000000000000000000" charset="0"/>
                 <a:cs typeface="Abyssinica SIL" panose="02000000000000000000" charset="0"/>
               </a:rPr>
-              <a:t>On est tentes de suggérer une équation comme celle-ci:</a:t>
-            </a:r>
-            <a:endParaRPr sz="2400">
+              <a:t>N</a:t>
+            </a:r>
+            <a:r>
+              <a:rPr sz="2000">
+                <a:latin typeface="Abyssinica SIL" panose="02000000000000000000" charset="0"/>
+                <a:cs typeface="Abyssinica SIL" panose="02000000000000000000" charset="0"/>
+              </a:rPr>
+              <a:t>ous sommes tentés de suggérer une équation comme celle-ci:</a:t>
+            </a:r>
+            <a:endParaRPr sz="2000">
               <a:latin typeface="Abyssinica SIL" panose="02000000000000000000" charset="0"/>
               <a:cs typeface="Abyssinica SIL" panose="02000000000000000000" charset="0"/>
             </a:endParaRPr>
@@ -2829,8 +2911,56 @@
         </p:blipFill>
         <p:spPr>
           <a:xfrm>
-            <a:off x="3776980" y="4405630"/>
-            <a:ext cx="4638040" cy="495300"/>
+            <a:off x="4232275" y="3870325"/>
+            <a:ext cx="3726815" cy="398145"/>
+          </a:xfrm>
+          <a:prstGeom prst="rect">
+            <a:avLst/>
+          </a:prstGeom>
+        </p:spPr>
+      </p:pic>
+      <p:pic>
+        <p:nvPicPr>
+          <p:cNvPr id="5" name="Picture 4" descr="xn"/>
+          <p:cNvPicPr>
+            <a:picLocks noChangeAspect="1"/>
+          </p:cNvPicPr>
+          <p:nvPr/>
+        </p:nvPicPr>
+        <p:blipFill>
+          <a:blip r:embed="rId2"/>
+          <a:stretch>
+            <a:fillRect/>
+          </a:stretch>
+        </p:blipFill>
+        <p:spPr>
+          <a:xfrm>
+            <a:off x="2866390" y="4712970"/>
+            <a:ext cx="6459220" cy="346710"/>
+          </a:xfrm>
+          <a:prstGeom prst="rect">
+            <a:avLst/>
+          </a:prstGeom>
+        </p:spPr>
+      </p:pic>
+      <p:pic>
+        <p:nvPicPr>
+          <p:cNvPr id="6" name="Picture 5" descr="r"/>
+          <p:cNvPicPr>
+            <a:picLocks noChangeAspect="1"/>
+          </p:cNvPicPr>
+          <p:nvPr/>
+        </p:nvPicPr>
+        <p:blipFill>
+          <a:blip r:embed="rId3"/>
+          <a:stretch>
+            <a:fillRect/>
+          </a:stretch>
+        </p:blipFill>
+        <p:spPr>
+          <a:xfrm>
+            <a:off x="3512185" y="5358130"/>
+            <a:ext cx="5166995" cy="334645"/>
           </a:xfrm>
           <a:prstGeom prst="rect">
             <a:avLst/>
@@ -2994,22 +3124,13 @@
               <a:buNone/>
             </a:pPr>
             <a:r>
-              <a:rPr lang="en-US">
+              <a:rPr lang="en-US" sz="2400">
                 <a:latin typeface="Abyssinica SIL" panose="02000000000000000000" charset="0"/>
                 <a:cs typeface="Abyssinica SIL" panose="02000000000000000000" charset="0"/>
               </a:rPr>
-              <a:t>On doit donc ajouter un condition limitante a notre equation.</a:t>
-            </a:r>
-            <a:endParaRPr lang="en-US">
-              <a:latin typeface="Abyssinica SIL" panose="02000000000000000000" charset="0"/>
-              <a:cs typeface="Abyssinica SIL" panose="02000000000000000000" charset="0"/>
-            </a:endParaRPr>
-          </a:p>
-          <a:p>
-            <a:pPr marL="0" indent="0">
-              <a:buNone/>
-            </a:pPr>
-            <a:endParaRPr lang="en-US">
+              <a:t>Il faut donc ajouter une condition limite à notre équation.</a:t>
+            </a:r>
+            <a:endParaRPr lang="en-US" sz="2400">
               <a:latin typeface="Abyssinica SIL" panose="02000000000000000000" charset="0"/>
               <a:cs typeface="Abyssinica SIL" panose="02000000000000000000" charset="0"/>
             </a:endParaRPr>
@@ -3032,8 +3153,8 @@
         </p:blipFill>
         <p:spPr>
           <a:xfrm>
-            <a:off x="2570480" y="1765300"/>
-            <a:ext cx="7051675" cy="614680"/>
+            <a:off x="2936875" y="1758315"/>
+            <a:ext cx="6477000" cy="564515"/>
           </a:xfrm>
           <a:prstGeom prst="rect">
             <a:avLst/>
@@ -3048,8 +3169,8 @@
         </p:nvSpPr>
         <p:spPr>
           <a:xfrm>
-            <a:off x="838200" y="2690495"/>
-            <a:ext cx="11097895" cy="1938020"/>
+            <a:off x="415290" y="2690495"/>
+            <a:ext cx="11520805" cy="706755"/>
           </a:xfrm>
           <a:prstGeom prst="rect">
             <a:avLst/>
@@ -3061,64 +3182,36 @@
             <a:spAutoFit/>
           </a:bodyPr>
           <a:p>
-            <a:pPr algn="just"/>
-            <a:r>
-              <a:rPr lang="en-US" sz="2400">
+            <a:pPr lvl="1" algn="just"/>
+            <a:r>
+              <a:rPr sz="2000">
                 <a:latin typeface="Abyssinica SIL" panose="02000000000000000000" charset="0"/>
                 <a:cs typeface="Abyssinica SIL" panose="02000000000000000000" charset="0"/>
               </a:rPr>
-              <a:t>Maintenant, Xn devienne un fraction de l</a:t>
-            </a:r>
-            <a:r>
-              <a:rPr lang="" altLang="en-US" sz="2400">
+              <a:t>Maintenant Xn devient une fraction du nombre maximum de lapins</a:t>
+            </a:r>
+            <a:endParaRPr sz="2000">
+              <a:latin typeface="Abyssinica SIL" panose="02000000000000000000" charset="0"/>
+              <a:cs typeface="Abyssinica SIL" panose="02000000000000000000" charset="0"/>
+            </a:endParaRPr>
+          </a:p>
+          <a:p>
+            <a:pPr lvl="1" algn="just"/>
+            <a:r>
+              <a:rPr sz="2000">
                 <a:latin typeface="Abyssinica SIL" panose="02000000000000000000" charset="0"/>
                 <a:cs typeface="Abyssinica SIL" panose="02000000000000000000" charset="0"/>
               </a:rPr>
-              <a:t>e</a:t>
-            </a:r>
-            <a:r>
-              <a:rPr lang="en-US" sz="2400">
+              <a:t>qui peut vivre en même temps</a:t>
+            </a:r>
+            <a:r>
+              <a:rPr lang="en-US" sz="2000">
                 <a:latin typeface="Abyssinica SIL" panose="02000000000000000000" charset="0"/>
                 <a:cs typeface="Abyssinica SIL" panose="02000000000000000000" charset="0"/>
               </a:rPr>
-              <a:t> nombre maximale des lapins </a:t>
-            </a:r>
-            <a:endParaRPr lang="en-US" sz="2400">
-              <a:latin typeface="Abyssinica SIL" panose="02000000000000000000" charset="0"/>
-              <a:cs typeface="Abyssinica SIL" panose="02000000000000000000" charset="0"/>
-            </a:endParaRPr>
-          </a:p>
-          <a:p>
-            <a:pPr algn="just"/>
-            <a:r>
-              <a:rPr lang="en-US" sz="2400">
-                <a:latin typeface="Abyssinica SIL" panose="02000000000000000000" charset="0"/>
-                <a:cs typeface="Abyssinica SIL" panose="02000000000000000000" charset="0"/>
-              </a:rPr>
-              <a:t>qui pourront viver dans le meme temps</a:t>
-            </a:r>
-            <a:endParaRPr lang="en-US" sz="2400">
-              <a:latin typeface="Abyssinica SIL" panose="02000000000000000000" charset="0"/>
-              <a:cs typeface="Abyssinica SIL" panose="02000000000000000000" charset="0"/>
-            </a:endParaRPr>
-          </a:p>
-          <a:p>
-            <a:pPr algn="just"/>
-            <a:endParaRPr lang="en-US" sz="2400">
-              <a:latin typeface="Abyssinica SIL" panose="02000000000000000000" charset="0"/>
-              <a:cs typeface="Abyssinica SIL" panose="02000000000000000000" charset="0"/>
-            </a:endParaRPr>
-          </a:p>
-          <a:p>
-            <a:pPr algn="just"/>
-            <a:endParaRPr lang="en-US" sz="2400">
-              <a:latin typeface="Abyssinica SIL" panose="02000000000000000000" charset="0"/>
-              <a:cs typeface="Abyssinica SIL" panose="02000000000000000000" charset="0"/>
-            </a:endParaRPr>
-          </a:p>
-          <a:p>
-            <a:pPr algn="just"/>
-            <a:endParaRPr lang="en-US" sz="2400">
+              <a:t>.</a:t>
+            </a:r>
+            <a:endParaRPr lang="en-US" sz="2000">
               <a:latin typeface="Abyssinica SIL" panose="02000000000000000000" charset="0"/>
               <a:cs typeface="Abyssinica SIL" panose="02000000000000000000" charset="0"/>
             </a:endParaRPr>
@@ -3179,8 +3272,56 @@
         </p:blipFill>
         <p:spPr>
           <a:xfrm>
-            <a:off x="1496695" y="18415"/>
+            <a:off x="15875" y="240030"/>
             <a:ext cx="9199245" cy="6821805"/>
+          </a:xfrm>
+          <a:prstGeom prst="rect">
+            <a:avLst/>
+          </a:prstGeom>
+        </p:spPr>
+      </p:pic>
+      <p:pic>
+        <p:nvPicPr>
+          <p:cNvPr id="4" name="Picture 3" descr="eq2"/>
+          <p:cNvPicPr>
+            <a:picLocks noChangeAspect="1"/>
+          </p:cNvPicPr>
+          <p:nvPr/>
+        </p:nvPicPr>
+        <p:blipFill>
+          <a:blip r:embed="rId2"/>
+          <a:stretch>
+            <a:fillRect/>
+          </a:stretch>
+        </p:blipFill>
+        <p:spPr>
+          <a:xfrm>
+            <a:off x="9215120" y="606425"/>
+            <a:ext cx="2797810" cy="243840"/>
+          </a:xfrm>
+          <a:prstGeom prst="rect">
+            <a:avLst/>
+          </a:prstGeom>
+        </p:spPr>
+      </p:pic>
+      <p:pic>
+        <p:nvPicPr>
+          <p:cNvPr id="3" name="Picture 2" descr="r&lt;1"/>
+          <p:cNvPicPr>
+            <a:picLocks noChangeAspect="1"/>
+          </p:cNvPicPr>
+          <p:nvPr/>
+        </p:nvPicPr>
+        <p:blipFill>
+          <a:blip r:embed="rId3"/>
+          <a:stretch>
+            <a:fillRect/>
+          </a:stretch>
+        </p:blipFill>
+        <p:spPr>
+          <a:xfrm>
+            <a:off x="9652000" y="1549400"/>
+            <a:ext cx="1924050" cy="225425"/>
           </a:xfrm>
           <a:prstGeom prst="rect">
             <a:avLst/>
@@ -3241,7 +3382,7 @@
         </p:blipFill>
         <p:spPr>
           <a:xfrm>
-            <a:off x="1274445" y="471170"/>
+            <a:off x="255270" y="471170"/>
             <a:ext cx="9643110" cy="5915660"/>
           </a:xfrm>
           <a:prstGeom prst="rect">
@@ -3249,6 +3390,52 @@
           </a:prstGeom>
         </p:spPr>
       </p:pic>
+      <p:sp>
+        <p:nvSpPr>
+          <p:cNvPr id="3" name="Text Box 2"/>
+          <p:cNvSpPr txBox="1"/>
+          <p:nvPr/>
+        </p:nvSpPr>
+        <p:spPr>
+          <a:xfrm>
+            <a:off x="7191375" y="736600"/>
+            <a:ext cx="3785870" cy="583565"/>
+          </a:xfrm>
+          <a:prstGeom prst="rect">
+            <a:avLst/>
+          </a:prstGeom>
+          <a:noFill/>
+        </p:spPr>
+        <p:txBody>
+          <a:bodyPr wrap="square" rtlCol="0">
+            <a:spAutoFit/>
+          </a:bodyPr>
+          <a:p>
+            <a:pPr algn="just"/>
+            <a:r>
+              <a:rPr lang="" altLang="en-US" sz="1600"/>
+              <a:t>Q</a:t>
+            </a:r>
+            <a:r>
+              <a:rPr lang="en-US" sz="1600"/>
+              <a:t>uelle est la valeur à laquelle </a:t>
+            </a:r>
+            <a:r>
+              <a:rPr lang="" altLang="en-US" sz="1600"/>
+              <a:t>Xn</a:t>
+            </a:r>
+            <a:r>
+              <a:rPr lang="en-US" sz="1600"/>
+              <a:t> se stabilise en fonction de r </a:t>
+            </a:r>
+            <a:r>
+              <a:rPr lang="" altLang="en-US" sz="1600"/>
+              <a:t>?</a:t>
+            </a:r>
+            <a:endParaRPr lang="" altLang="en-US" sz="1600"/>
+          </a:p>
+        </p:txBody>
+      </p:sp>
     </p:spTree>
   </p:cSld>
   <p:clrMapOvr>
@@ -3353,24 +3540,6 @@
         <p:nvPr/>
       </p:nvGrpSpPr>
       <p:grpSpPr/>
-      <p:sp>
-        <p:nvSpPr>
-          <p:cNvPr id="2" name="Title 1"/>
-          <p:cNvSpPr>
-            <a:spLocks noGrp="1"/>
-          </p:cNvSpPr>
-          <p:nvPr>
-            <p:ph type="title"/>
-          </p:nvPr>
-        </p:nvSpPr>
-        <p:spPr/>
-        <p:txBody>
-          <a:bodyPr/>
-          <a:p>
-            <a:endParaRPr lang="en-US"/>
-          </a:p>
-        </p:txBody>
-      </p:sp>
       <p:pic>
         <p:nvPicPr>
           <p:cNvPr id="4" name="Content Placeholder 3" descr="logistic_map_diy_bifuractions"/>
@@ -3389,8 +3558,600 @@
         </p:blipFill>
         <p:spPr>
           <a:xfrm>
-            <a:off x="386715" y="365125"/>
+            <a:off x="523875" y="365125"/>
             <a:ext cx="9202420" cy="5661025"/>
+          </a:xfrm>
+          <a:prstGeom prst="rect">
+            <a:avLst/>
+          </a:prstGeom>
+        </p:spPr>
+      </p:pic>
+      <p:cxnSp>
+        <p:nvCxnSpPr>
+          <p:cNvPr id="5" name="Straight Arrow Connector 4"/>
+          <p:cNvCxnSpPr/>
+          <p:nvPr/>
+        </p:nvCxnSpPr>
+        <p:spPr>
+          <a:xfrm flipV="1">
+            <a:off x="4801870" y="1108075"/>
+            <a:ext cx="609600" cy="0"/>
+          </a:xfrm>
+          <a:prstGeom prst="straightConnector1">
+            <a:avLst/>
+          </a:prstGeom>
+          <a:ln>
+            <a:headEnd type="arrow" w="med" len="med"/>
+            <a:tailEnd type="arrow" w="med" len="med"/>
+          </a:ln>
+        </p:spPr>
+        <p:style>
+          <a:lnRef idx="1">
+            <a:schemeClr val="dk1"/>
+          </a:lnRef>
+          <a:fillRef idx="0">
+            <a:schemeClr val="dk1"/>
+          </a:fillRef>
+          <a:effectRef idx="0">
+            <a:schemeClr val="dk1"/>
+          </a:effectRef>
+          <a:fontRef idx="minor">
+            <a:schemeClr val="tx1"/>
+          </a:fontRef>
+        </p:style>
+      </p:cxnSp>
+      <p:cxnSp>
+        <p:nvCxnSpPr>
+          <p:cNvPr id="7" name="Straight Connector 6"/>
+          <p:cNvCxnSpPr/>
+          <p:nvPr/>
+        </p:nvCxnSpPr>
+        <p:spPr>
+          <a:xfrm>
+            <a:off x="5481320" y="1099820"/>
+            <a:ext cx="90805" cy="0"/>
+          </a:xfrm>
+          <a:prstGeom prst="line">
+            <a:avLst/>
+          </a:prstGeom>
+        </p:spPr>
+        <p:style>
+          <a:lnRef idx="1">
+            <a:schemeClr val="dk1"/>
+          </a:lnRef>
+          <a:fillRef idx="0">
+            <a:schemeClr val="dk1"/>
+          </a:fillRef>
+          <a:effectRef idx="0">
+            <a:schemeClr val="dk1"/>
+          </a:effectRef>
+          <a:fontRef idx="minor">
+            <a:schemeClr val="tx1"/>
+          </a:fontRef>
+        </p:style>
+      </p:cxnSp>
+      <p:cxnSp>
+        <p:nvCxnSpPr>
+          <p:cNvPr id="9" name="Straight Arrow Connector 8"/>
+          <p:cNvCxnSpPr/>
+          <p:nvPr/>
+        </p:nvCxnSpPr>
+        <p:spPr>
+          <a:xfrm flipH="1">
+            <a:off x="5515610" y="533400"/>
+            <a:ext cx="123825" cy="480695"/>
+          </a:xfrm>
+          <a:prstGeom prst="straightConnector1">
+            <a:avLst/>
+          </a:prstGeom>
+          <a:ln>
+            <a:tailEnd type="arrow" w="med" len="med"/>
+          </a:ln>
+        </p:spPr>
+        <p:style>
+          <a:lnRef idx="1">
+            <a:schemeClr val="accent1"/>
+          </a:lnRef>
+          <a:fillRef idx="0">
+            <a:schemeClr val="accent1"/>
+          </a:fillRef>
+          <a:effectRef idx="0">
+            <a:schemeClr val="accent1"/>
+          </a:effectRef>
+          <a:fontRef idx="minor">
+            <a:schemeClr val="tx1"/>
+          </a:fontRef>
+        </p:style>
+      </p:cxnSp>
+      <p:cxnSp>
+        <p:nvCxnSpPr>
+          <p:cNvPr id="10" name="Straight Arrow Connector 9"/>
+          <p:cNvCxnSpPr/>
+          <p:nvPr/>
+        </p:nvCxnSpPr>
+        <p:spPr>
+          <a:xfrm flipH="1">
+            <a:off x="5615305" y="819150"/>
+            <a:ext cx="142875" cy="271145"/>
+          </a:xfrm>
+          <a:prstGeom prst="straightConnector1">
+            <a:avLst/>
+          </a:prstGeom>
+          <a:ln>
+            <a:tailEnd type="arrow" w="med" len="med"/>
+          </a:ln>
+        </p:spPr>
+        <p:style>
+          <a:lnRef idx="1">
+            <a:schemeClr val="accent2"/>
+          </a:lnRef>
+          <a:fillRef idx="0">
+            <a:schemeClr val="accent2"/>
+          </a:fillRef>
+          <a:effectRef idx="0">
+            <a:schemeClr val="accent2"/>
+          </a:effectRef>
+          <a:fontRef idx="minor">
+            <a:schemeClr val="tx1"/>
+          </a:fontRef>
+        </p:style>
+      </p:cxnSp>
+      <p:sp>
+        <p:nvSpPr>
+          <p:cNvPr id="11" name="Text Box 10"/>
+          <p:cNvSpPr txBox="1"/>
+          <p:nvPr/>
+        </p:nvSpPr>
+        <p:spPr>
+          <a:xfrm>
+            <a:off x="4963795" y="770255"/>
+            <a:ext cx="323215" cy="368300"/>
+          </a:xfrm>
+          <a:prstGeom prst="rect">
+            <a:avLst/>
+          </a:prstGeom>
+          <a:noFill/>
+        </p:spPr>
+        <p:txBody>
+          <a:bodyPr wrap="none" rtlCol="0">
+            <a:spAutoFit/>
+          </a:bodyPr>
+          <a:p>
+            <a:r>
+              <a:rPr lang="en-US" altLang="en-US"/>
+              <a:t>a</a:t>
+            </a:r>
+            <a:endParaRPr lang="en-US" altLang="en-US"/>
+          </a:p>
+        </p:txBody>
+      </p:sp>
+      <p:sp>
+        <p:nvSpPr>
+          <p:cNvPr id="12" name="Text Box 11"/>
+          <p:cNvSpPr txBox="1"/>
+          <p:nvPr/>
+        </p:nvSpPr>
+        <p:spPr>
+          <a:xfrm>
+            <a:off x="5411470" y="266700"/>
+            <a:ext cx="328295" cy="368300"/>
+          </a:xfrm>
+          <a:prstGeom prst="rect">
+            <a:avLst/>
+          </a:prstGeom>
+          <a:noFill/>
+        </p:spPr>
+        <p:txBody>
+          <a:bodyPr wrap="none" rtlCol="0">
+            <a:spAutoFit/>
+          </a:bodyPr>
+          <a:p>
+            <a:r>
+              <a:rPr lang="en-US" altLang="en-US"/>
+              <a:t>b</a:t>
+            </a:r>
+            <a:endParaRPr lang="en-US" altLang="en-US"/>
+          </a:p>
+        </p:txBody>
+      </p:sp>
+      <p:sp>
+        <p:nvSpPr>
+          <p:cNvPr id="13" name="Text Box 12"/>
+          <p:cNvSpPr txBox="1"/>
+          <p:nvPr/>
+        </p:nvSpPr>
+        <p:spPr>
+          <a:xfrm>
+            <a:off x="5681345" y="589280"/>
+            <a:ext cx="308610" cy="368300"/>
+          </a:xfrm>
+          <a:prstGeom prst="rect">
+            <a:avLst/>
+          </a:prstGeom>
+          <a:noFill/>
+        </p:spPr>
+        <p:txBody>
+          <a:bodyPr wrap="none" rtlCol="0">
+            <a:spAutoFit/>
+          </a:bodyPr>
+          <a:p>
+            <a:r>
+              <a:rPr lang="en-US" altLang="en-US"/>
+              <a:t>c</a:t>
+            </a:r>
+            <a:endParaRPr lang="en-US" altLang="en-US"/>
+          </a:p>
+        </p:txBody>
+      </p:sp>
+      <p:pic>
+        <p:nvPicPr>
+          <p:cNvPr id="14" name="Picture 13" descr="a_b\"/>
+          <p:cNvPicPr>
+            <a:picLocks noChangeAspect="1"/>
+          </p:cNvPicPr>
+          <p:nvPr/>
+        </p:nvPicPr>
+        <p:blipFill>
+          <a:blip r:embed="rId2"/>
+          <a:stretch>
+            <a:fillRect/>
+          </a:stretch>
+        </p:blipFill>
+        <p:spPr>
+          <a:xfrm>
+            <a:off x="8699500" y="957580"/>
+            <a:ext cx="1026795" cy="875665"/>
+          </a:xfrm>
+          <a:prstGeom prst="rect">
+            <a:avLst/>
+          </a:prstGeom>
+        </p:spPr>
+      </p:pic>
+      <p:pic>
+        <p:nvPicPr>
+          <p:cNvPr id="15" name="Picture 14" descr="b_c"/>
+          <p:cNvPicPr>
+            <a:picLocks noChangeAspect="1"/>
+          </p:cNvPicPr>
+          <p:nvPr/>
+        </p:nvPicPr>
+        <p:blipFill>
+          <a:blip r:embed="rId3"/>
+          <a:stretch>
+            <a:fillRect/>
+          </a:stretch>
+        </p:blipFill>
+        <p:spPr>
+          <a:xfrm>
+            <a:off x="8699500" y="2232025"/>
+            <a:ext cx="1064260" cy="1083310"/>
+          </a:xfrm>
+          <a:prstGeom prst="rect">
+            <a:avLst/>
+          </a:prstGeom>
+        </p:spPr>
+      </p:pic>
+    </p:spTree>
+  </p:cSld>
+  <p:clrMapOvr>
+    <a:masterClrMapping/>
+  </p:clrMapOvr>
+</p:sld>
+</file>
+
+<file path=ppt/slides/slide9.xml><?xml version="1.0" encoding="utf-8"?>
+<p:sld xmlns:a="http://schemas.openxmlformats.org/drawingml/2006/main" xmlns:r="http://schemas.openxmlformats.org/officeDocument/2006/relationships" xmlns:p="http://schemas.openxmlformats.org/presentationml/2006/main">
+  <p:cSld>
+    <p:spTree>
+      <p:nvGrpSpPr>
+        <p:cNvPr id="1" name=""/>
+        <p:cNvGrpSpPr/>
+        <p:nvPr/>
+      </p:nvGrpSpPr>
+      <p:grpSpPr/>
+      <p:sp>
+        <p:nvSpPr>
+          <p:cNvPr id="2" name="Title 1"/>
+          <p:cNvSpPr>
+            <a:spLocks noGrp="1"/>
+          </p:cNvSpPr>
+          <p:nvPr>
+            <p:ph type="title"/>
+          </p:nvPr>
+        </p:nvSpPr>
+        <p:spPr/>
+        <p:txBody>
+          <a:bodyPr/>
+          <a:p>
+            <a:endParaRPr lang="en-US"/>
+          </a:p>
+        </p:txBody>
+      </p:sp>
+      <p:pic>
+        <p:nvPicPr>
+          <p:cNvPr id="4" name="Content Placeholder 3" descr="logistic_map_diy_bifuractions"/>
+          <p:cNvPicPr>
+            <a:picLocks noChangeAspect="1"/>
+          </p:cNvPicPr>
+          <p:nvPr/>
+        </p:nvPicPr>
+        <p:blipFill>
+          <a:blip r:embed="rId1"/>
+          <a:stretch>
+            <a:fillRect/>
+          </a:stretch>
+        </p:blipFill>
+        <p:spPr>
+          <a:xfrm>
+            <a:off x="523875" y="365125"/>
+            <a:ext cx="9202420" cy="5661025"/>
+          </a:xfrm>
+          <a:prstGeom prst="rect">
+            <a:avLst/>
+          </a:prstGeom>
+        </p:spPr>
+      </p:pic>
+      <p:cxnSp>
+        <p:nvCxnSpPr>
+          <p:cNvPr id="5" name="Straight Arrow Connector 4"/>
+          <p:cNvCxnSpPr/>
+          <p:nvPr/>
+        </p:nvCxnSpPr>
+        <p:spPr>
+          <a:xfrm flipV="1">
+            <a:off x="4801870" y="1108075"/>
+            <a:ext cx="609600" cy="0"/>
+          </a:xfrm>
+          <a:prstGeom prst="straightConnector1">
+            <a:avLst/>
+          </a:prstGeom>
+          <a:ln>
+            <a:headEnd type="arrow" w="med" len="med"/>
+            <a:tailEnd type="arrow" w="med" len="med"/>
+          </a:ln>
+        </p:spPr>
+        <p:style>
+          <a:lnRef idx="1">
+            <a:schemeClr val="dk1"/>
+          </a:lnRef>
+          <a:fillRef idx="0">
+            <a:schemeClr val="dk1"/>
+          </a:fillRef>
+          <a:effectRef idx="0">
+            <a:schemeClr val="dk1"/>
+          </a:effectRef>
+          <a:fontRef idx="minor">
+            <a:schemeClr val="tx1"/>
+          </a:fontRef>
+        </p:style>
+      </p:cxnSp>
+      <p:cxnSp>
+        <p:nvCxnSpPr>
+          <p:cNvPr id="7" name="Straight Connector 6"/>
+          <p:cNvCxnSpPr/>
+          <p:nvPr/>
+        </p:nvCxnSpPr>
+        <p:spPr>
+          <a:xfrm>
+            <a:off x="5481320" y="1099820"/>
+            <a:ext cx="90805" cy="0"/>
+          </a:xfrm>
+          <a:prstGeom prst="line">
+            <a:avLst/>
+          </a:prstGeom>
+        </p:spPr>
+        <p:style>
+          <a:lnRef idx="1">
+            <a:schemeClr val="dk1"/>
+          </a:lnRef>
+          <a:fillRef idx="0">
+            <a:schemeClr val="dk1"/>
+          </a:fillRef>
+          <a:effectRef idx="0">
+            <a:schemeClr val="dk1"/>
+          </a:effectRef>
+          <a:fontRef idx="minor">
+            <a:schemeClr val="tx1"/>
+          </a:fontRef>
+        </p:style>
+      </p:cxnSp>
+      <p:cxnSp>
+        <p:nvCxnSpPr>
+          <p:cNvPr id="9" name="Straight Arrow Connector 8"/>
+          <p:cNvCxnSpPr/>
+          <p:nvPr/>
+        </p:nvCxnSpPr>
+        <p:spPr>
+          <a:xfrm flipH="1">
+            <a:off x="5515610" y="533400"/>
+            <a:ext cx="123825" cy="480695"/>
+          </a:xfrm>
+          <a:prstGeom prst="straightConnector1">
+            <a:avLst/>
+          </a:prstGeom>
+          <a:ln>
+            <a:tailEnd type="arrow" w="med" len="med"/>
+          </a:ln>
+        </p:spPr>
+        <p:style>
+          <a:lnRef idx="1">
+            <a:schemeClr val="accent1"/>
+          </a:lnRef>
+          <a:fillRef idx="0">
+            <a:schemeClr val="accent1"/>
+          </a:fillRef>
+          <a:effectRef idx="0">
+            <a:schemeClr val="accent1"/>
+          </a:effectRef>
+          <a:fontRef idx="minor">
+            <a:schemeClr val="tx1"/>
+          </a:fontRef>
+        </p:style>
+      </p:cxnSp>
+      <p:cxnSp>
+        <p:nvCxnSpPr>
+          <p:cNvPr id="10" name="Straight Arrow Connector 9"/>
+          <p:cNvCxnSpPr/>
+          <p:nvPr/>
+        </p:nvCxnSpPr>
+        <p:spPr>
+          <a:xfrm flipH="1">
+            <a:off x="5615305" y="819150"/>
+            <a:ext cx="142875" cy="271145"/>
+          </a:xfrm>
+          <a:prstGeom prst="straightConnector1">
+            <a:avLst/>
+          </a:prstGeom>
+          <a:ln>
+            <a:tailEnd type="arrow" w="med" len="med"/>
+          </a:ln>
+        </p:spPr>
+        <p:style>
+          <a:lnRef idx="1">
+            <a:schemeClr val="accent2"/>
+          </a:lnRef>
+          <a:fillRef idx="0">
+            <a:schemeClr val="accent2"/>
+          </a:fillRef>
+          <a:effectRef idx="0">
+            <a:schemeClr val="accent2"/>
+          </a:effectRef>
+          <a:fontRef idx="minor">
+            <a:schemeClr val="tx1"/>
+          </a:fontRef>
+        </p:style>
+      </p:cxnSp>
+      <p:sp>
+        <p:nvSpPr>
+          <p:cNvPr id="11" name="Text Box 10"/>
+          <p:cNvSpPr txBox="1"/>
+          <p:nvPr/>
+        </p:nvSpPr>
+        <p:spPr>
+          <a:xfrm>
+            <a:off x="4963795" y="770255"/>
+            <a:ext cx="323215" cy="368300"/>
+          </a:xfrm>
+          <a:prstGeom prst="rect">
+            <a:avLst/>
+          </a:prstGeom>
+          <a:noFill/>
+        </p:spPr>
+        <p:txBody>
+          <a:bodyPr wrap="none" rtlCol="0">
+            <a:spAutoFit/>
+          </a:bodyPr>
+          <a:p>
+            <a:r>
+              <a:rPr lang="en-US" altLang="en-US"/>
+              <a:t>a</a:t>
+            </a:r>
+            <a:endParaRPr lang="en-US" altLang="en-US"/>
+          </a:p>
+        </p:txBody>
+      </p:sp>
+      <p:sp>
+        <p:nvSpPr>
+          <p:cNvPr id="12" name="Text Box 11"/>
+          <p:cNvSpPr txBox="1"/>
+          <p:nvPr/>
+        </p:nvSpPr>
+        <p:spPr>
+          <a:xfrm>
+            <a:off x="5411470" y="266700"/>
+            <a:ext cx="328295" cy="368300"/>
+          </a:xfrm>
+          <a:prstGeom prst="rect">
+            <a:avLst/>
+          </a:prstGeom>
+          <a:noFill/>
+        </p:spPr>
+        <p:txBody>
+          <a:bodyPr wrap="none" rtlCol="0">
+            <a:spAutoFit/>
+          </a:bodyPr>
+          <a:p>
+            <a:r>
+              <a:rPr lang="en-US" altLang="en-US"/>
+              <a:t>b</a:t>
+            </a:r>
+            <a:endParaRPr lang="en-US" altLang="en-US"/>
+          </a:p>
+        </p:txBody>
+      </p:sp>
+      <p:sp>
+        <p:nvSpPr>
+          <p:cNvPr id="13" name="Text Box 12"/>
+          <p:cNvSpPr txBox="1"/>
+          <p:nvPr/>
+        </p:nvSpPr>
+        <p:spPr>
+          <a:xfrm>
+            <a:off x="5681345" y="589280"/>
+            <a:ext cx="308610" cy="368300"/>
+          </a:xfrm>
+          <a:prstGeom prst="rect">
+            <a:avLst/>
+          </a:prstGeom>
+          <a:noFill/>
+        </p:spPr>
+        <p:txBody>
+          <a:bodyPr wrap="none" rtlCol="0">
+            <a:spAutoFit/>
+          </a:bodyPr>
+          <a:p>
+            <a:r>
+              <a:rPr lang="en-US" altLang="en-US"/>
+              <a:t>c</a:t>
+            </a:r>
+            <a:endParaRPr lang="en-US" altLang="en-US"/>
+          </a:p>
+        </p:txBody>
+      </p:sp>
+      <p:pic>
+        <p:nvPicPr>
+          <p:cNvPr id="6" name="Content Placeholder 5" descr="d1"/>
+          <p:cNvPicPr>
+            <a:picLocks noChangeAspect="1"/>
+          </p:cNvPicPr>
+          <p:nvPr>
+            <p:ph idx="1"/>
+          </p:nvPr>
+        </p:nvPicPr>
+        <p:blipFill>
+          <a:blip r:embed="rId2"/>
+          <a:stretch>
+            <a:fillRect/>
+          </a:stretch>
+        </p:blipFill>
+        <p:spPr>
+          <a:xfrm>
+            <a:off x="7894955" y="819150"/>
+            <a:ext cx="2369820" cy="1104900"/>
+          </a:xfrm>
+          <a:prstGeom prst="rect">
+            <a:avLst/>
+          </a:prstGeom>
+        </p:spPr>
+      </p:pic>
+      <p:pic>
+        <p:nvPicPr>
+          <p:cNvPr id="17" name="Picture 16" descr="d2"/>
+          <p:cNvPicPr>
+            <a:picLocks noChangeAspect="1"/>
+          </p:cNvPicPr>
+          <p:nvPr/>
+        </p:nvPicPr>
+        <p:blipFill>
+          <a:blip r:embed="rId3"/>
+          <a:stretch>
+            <a:fillRect/>
+          </a:stretch>
+        </p:blipFill>
+        <p:spPr>
+          <a:xfrm>
+            <a:off x="6604635" y="2769870"/>
+            <a:ext cx="4749165" cy="528955"/>
           </a:xfrm>
           <a:prstGeom prst="rect">
             <a:avLst/>
